--- a/Reports/SABD-presentazione1.pptx
+++ b/Reports/SABD-presentazione1.pptx
@@ -23731,7 +23731,7 @@
             <a:pPr rtl="0"/>
             <a:fld id="{35CEB73A-EAD8-4600-A937-149261040EA7}" type="datetime1">
               <a:rPr lang="it-IT" smtClean="0"/>
-              <a:t>12/06/2022</a:t>
+              <a:t>13/06/2022</a:t>
             </a:fld>
             <a:endParaRPr lang="it-IT"/>
           </a:p>
@@ -23901,7 +23901,7 @@
             <a:pPr rtl="0"/>
             <a:fld id="{09578EB8-0800-413D-B171-4C9FED7732A0}" type="datetime1">
               <a:rPr lang="it-IT" noProof="0" smtClean="0"/>
-              <a:t>12/06/2022</a:t>
+              <a:t>13/06/2022</a:t>
             </a:fld>
             <a:endParaRPr lang="it-IT" noProof="0"/>
           </a:p>
@@ -33138,7 +33138,7 @@
             <a:pPr rtl="0"/>
             <a:fld id="{66236C9F-9AFA-439C-B73F-4335421394AB}" type="datetime1">
               <a:rPr lang="it-IT" noProof="0" smtClean="0"/>
-              <a:t>12/06/2022</a:t>
+              <a:t>13/06/2022</a:t>
             </a:fld>
             <a:endParaRPr lang="it-IT" noProof="0"/>
           </a:p>
@@ -33342,7 +33342,7 @@
             <a:pPr rtl="0"/>
             <a:fld id="{E38DE55C-9B7B-4BE7-AEF4-37BE5DF330B3}" type="datetime1">
               <a:rPr lang="it-IT" noProof="0" smtClean="0"/>
-              <a:t>12/06/2022</a:t>
+              <a:t>13/06/2022</a:t>
             </a:fld>
             <a:endParaRPr lang="it-IT" noProof="0"/>
           </a:p>
@@ -33519,7 +33519,7 @@
             <a:pPr rtl="0"/>
             <a:fld id="{DEB52EA8-BE72-49E0-B10D-A6C2A6C65F9C}" type="datetime1">
               <a:rPr lang="it-IT" noProof="0" smtClean="0"/>
-              <a:t>12/06/2022</a:t>
+              <a:t>13/06/2022</a:t>
             </a:fld>
             <a:endParaRPr lang="it-IT" noProof="0"/>
           </a:p>
@@ -33721,7 +33721,7 @@
             <a:pPr rtl="0"/>
             <a:fld id="{F9DADC72-5E94-4C69-8A44-1F2DDD09F567}" type="datetime1">
               <a:rPr lang="it-IT" noProof="0" smtClean="0"/>
-              <a:t>12/06/2022</a:t>
+              <a:t>13/06/2022</a:t>
             </a:fld>
             <a:endParaRPr lang="it-IT" noProof="0"/>
           </a:p>
@@ -42617,7 +42617,7 @@
             <a:pPr rtl="0"/>
             <a:fld id="{F369F42A-CDD5-423F-B08A-5662BEF92A11}" type="datetime1">
               <a:rPr lang="it-IT" noProof="0" smtClean="0"/>
-              <a:t>12/06/2022</a:t>
+              <a:t>13/06/2022</a:t>
             </a:fld>
             <a:endParaRPr lang="it-IT" noProof="0"/>
           </a:p>
@@ -42887,7 +42887,7 @@
             <a:pPr rtl="0"/>
             <a:fld id="{A982DB83-64E0-46FA-8CF0-4841C579698D}" type="datetime1">
               <a:rPr lang="it-IT" noProof="0" smtClean="0"/>
-              <a:t>12/06/2022</a:t>
+              <a:t>13/06/2022</a:t>
             </a:fld>
             <a:endParaRPr lang="it-IT" noProof="0"/>
           </a:p>
@@ -43281,7 +43281,7 @@
             <a:pPr rtl="0"/>
             <a:fld id="{1D23490B-3B64-4BC1-A310-9A8887316E47}" type="datetime1">
               <a:rPr lang="it-IT" noProof="0" smtClean="0"/>
-              <a:t>12/06/2022</a:t>
+              <a:t>13/06/2022</a:t>
             </a:fld>
             <a:endParaRPr lang="it-IT" noProof="0"/>
           </a:p>
@@ -43397,7 +43397,7 @@
             <a:pPr rtl="0"/>
             <a:fld id="{C8A4F6D6-ADBC-49FE-9C25-CE06A908B3D9}" type="datetime1">
               <a:rPr lang="it-IT" noProof="0" smtClean="0"/>
-              <a:t>12/06/2022</a:t>
+              <a:t>13/06/2022</a:t>
             </a:fld>
             <a:endParaRPr lang="it-IT" noProof="0"/>
           </a:p>
@@ -43490,7 +43490,7 @@
             <a:pPr rtl="0"/>
             <a:fld id="{B6867358-734E-4833-AA98-D9DA670E42E2}" type="datetime1">
               <a:rPr lang="it-IT" noProof="0" smtClean="0"/>
-              <a:t>12/06/2022</a:t>
+              <a:t>13/06/2022</a:t>
             </a:fld>
             <a:endParaRPr lang="it-IT" noProof="0"/>
           </a:p>
@@ -43777,7 +43777,7 @@
             <a:pPr rtl="0"/>
             <a:fld id="{3980E5DC-2180-42D0-9A15-1C2C043B4AF1}" type="datetime1">
               <a:rPr lang="it-IT" noProof="0" smtClean="0"/>
-              <a:t>12/06/2022</a:t>
+              <a:t>13/06/2022</a:t>
             </a:fld>
             <a:endParaRPr lang="it-IT" noProof="0"/>
           </a:p>
@@ -44055,7 +44055,7 @@
             <a:pPr rtl="0"/>
             <a:fld id="{F4A0D57C-B56D-4BC5-AD84-7527568E91F5}" type="datetime1">
               <a:rPr lang="it-IT" noProof="0" smtClean="0"/>
-              <a:t>12/06/2022</a:t>
+              <a:t>13/06/2022</a:t>
             </a:fld>
             <a:endParaRPr lang="it-IT" noProof="0"/>
           </a:p>
@@ -44302,7 +44302,7 @@
             <a:pPr rtl="0"/>
             <a:fld id="{66BC7013-D0FB-4E2A-A2D0-3F9F0D0B6231}" type="datetime1">
               <a:rPr lang="it-IT" noProof="0" smtClean="0"/>
-              <a:t>12/06/2022</a:t>
+              <a:t>13/06/2022</a:t>
             </a:fld>
             <a:endParaRPr lang="it-IT" noProof="0"/>
           </a:p>
@@ -48296,8 +48296,8 @@
           </a:xfrm>
         </p:spPr>
       </p:pic>
-      <mc:AlternateContent xmlns:mc="http://schemas.openxmlformats.org/markup-compatibility/2006">
-        <mc:Choice xmlns:a14="http://schemas.microsoft.com/office/drawing/2010/main" Requires="a14">
+      <mc:AlternateContent xmlns:mc="http://schemas.openxmlformats.org/markup-compatibility/2006" xmlns:a14="http://schemas.microsoft.com/office/drawing/2010/main">
+        <mc:Choice Requires="a14">
           <p:sp>
             <p:nvSpPr>
               <p:cNvPr id="28" name="CasellaDiTesto 27">
@@ -48488,7 +48488,9 @@
                     <m:f>
                       <m:fPr>
                         <m:ctrlPr>
-                          <a:rPr lang="it-IT"/>
+                          <a:rPr lang="it-IT" i="1">
+                            <a:latin typeface="Cambria Math" panose="02040503050406030204" pitchFamily="18" charset="0"/>
+                          </a:rPr>
                         </m:ctrlPr>
                       </m:fPr>
                       <m:num>
@@ -48537,7 +48539,9 @@
                           <m:t>amount</m:t>
                         </m:r>
                         <m:r>
-                          <a:rPr lang="it-IT"/>
+                          <a:rPr lang="it-IT">
+                            <a:latin typeface="Cambria Math" panose="02040503050406030204" pitchFamily="18" charset="0"/>
+                          </a:rPr>
                           <m:t> −</m:t>
                         </m:r>
                         <m:r>
@@ -48588,7 +48592,7 @@
             </p:txBody>
           </p:sp>
         </mc:Choice>
-        <mc:Fallback>
+        <mc:Fallback xmlns="">
           <p:sp>
             <p:nvSpPr>
               <p:cNvPr id="28" name="CasellaDiTesto 27">
@@ -48994,7 +48998,7 @@
             <p:spPr>
               <a:xfrm>
                 <a:off x="455061" y="4695660"/>
-                <a:ext cx="10477893" cy="1231106"/>
+                <a:ext cx="11116829" cy="1707932"/>
               </a:xfrm>
               <a:prstGeom prst="rect">
                 <a:avLst/>
@@ -49002,7 +49006,7 @@
             </p:spPr>
             <p:txBody>
               <a:bodyPr vert="horz" lIns="45720" tIns="45720" rIns="45720" bIns="45720" rtlCol="0">
-                <a:normAutofit fontScale="92500" lnSpcReduction="20000"/>
+                <a:normAutofit fontScale="92500"/>
               </a:bodyPr>
               <a:lstStyle>
                 <a:lvl1pPr marL="91440" indent="-91440" defTabSz="914400">
@@ -49168,7 +49172,7 @@
               <a:p>
                 <a:r>
                   <a:rPr lang="it-IT" dirty="0"/>
-                  <a:t> Si contano le occorrenze di ciascuna zona di partenza per ogni ora, raggruppando il dataset iniziale per ore e zone di partenza (</a:t>
+                  <a:t> Si contano le occorrenze di ciascuna zona di partenza, raggruppando il dataset iniziale per ore e zone di partenza (</a:t>
                 </a:r>
                 <a14:m>
                   <m:oMath xmlns:m="http://schemas.openxmlformats.org/officeDocument/2006/math">
@@ -49209,7 +49213,7 @@
               <a:p>
                 <a:r>
                   <a:rPr lang="it-IT" dirty="0"/>
-                  <a:t> Si contano le occorrenze di ciascuna zona di partenza per ogni ora, raggruppando questa volta il dataset per ore (</a:t>
+                  <a:t> Si contano le occorrenze delle corse totali in ogni ora (</a:t>
                 </a:r>
                 <a14:m>
                   <m:oMath xmlns:m="http://schemas.openxmlformats.org/officeDocument/2006/math">
@@ -49286,7 +49290,7 @@
             <p:spPr>
               <a:xfrm>
                 <a:off x="455061" y="4695660"/>
-                <a:ext cx="10477893" cy="1231106"/>
+                <a:ext cx="11116829" cy="1707932"/>
               </a:xfrm>
               <a:prstGeom prst="rect">
                 <a:avLst/>
@@ -49294,7 +49298,7 @@
               <a:blipFill>
                 <a:blip r:embed="rId7"/>
                 <a:stretch>
-                  <a:fillRect l="-990" t="-5921" r="-1630"/>
+                  <a:fillRect l="-933" t="-3571" r="-219"/>
                 </a:stretch>
               </a:blipFill>
             </p:spPr>
@@ -49783,7 +49787,7 @@
           <a:p>
             <a:r>
               <a:rPr lang="it-IT" dirty="0"/>
-              <a:t> Si contano il numero di corse per ogni ora e con un certo tipo di pagamento</a:t>
+              <a:t> Si contano le occorrenze dei pagamenti per ogni tipo di pagamento e ora.</a:t>
             </a:r>
           </a:p>
         </p:txBody>
@@ -50006,8 +50010,8 @@
           </a:p>
         </p:txBody>
       </p:sp>
-      <mc:AlternateContent xmlns:mc="http://schemas.openxmlformats.org/markup-compatibility/2006">
-        <mc:Choice xmlns:a14="http://schemas.microsoft.com/office/drawing/2010/main" Requires="a14">
+      <mc:AlternateContent xmlns:mc="http://schemas.openxmlformats.org/markup-compatibility/2006" xmlns:a14="http://schemas.microsoft.com/office/drawing/2010/main">
+        <mc:Choice Requires="a14">
           <p:sp>
             <p:nvSpPr>
               <p:cNvPr id="23" name="CasellaDiTesto 22">
@@ -50199,7 +50203,9 @@
                 <a14:m>
                   <m:oMath xmlns:m="http://schemas.openxmlformats.org/officeDocument/2006/math">
                     <m:r>
-                      <a:rPr lang="it-IT"/>
+                      <a:rPr lang="it-IT">
+                        <a:latin typeface="Cambria Math" panose="02040503050406030204" pitchFamily="18" charset="0"/>
+                      </a:rPr>
                       <m:t>𝑟𝑎𝑛𝑘</m:t>
                     </m:r>
                   </m:oMath>
@@ -50234,7 +50240,7 @@
             </p:txBody>
           </p:sp>
         </mc:Choice>
-        <mc:Fallback>
+        <mc:Fallback xmlns="">
           <p:sp>
             <p:nvSpPr>
               <p:cNvPr id="23" name="CasellaDiTesto 22">
@@ -50506,8 +50512,8 @@
           </a:p>
         </p:txBody>
       </p:sp>
-      <mc:AlternateContent xmlns:mc="http://schemas.openxmlformats.org/markup-compatibility/2006">
-        <mc:Choice xmlns:a14="http://schemas.microsoft.com/office/drawing/2010/main" Requires="a14">
+      <mc:AlternateContent xmlns:mc="http://schemas.openxmlformats.org/markup-compatibility/2006" xmlns:a14="http://schemas.microsoft.com/office/drawing/2010/main">
+        <mc:Choice Requires="a14">
           <p:sp>
             <p:nvSpPr>
               <p:cNvPr id="20" name="CasellaDiTesto 19">
@@ -50749,7 +50755,7 @@
             </p:txBody>
           </p:sp>
         </mc:Choice>
-        <mc:Fallback>
+        <mc:Fallback xmlns="">
           <p:sp>
             <p:nvSpPr>
               <p:cNvPr id="20" name="CasellaDiTesto 19">
@@ -50854,8 +50860,8 @@
           </a:prstGeom>
         </p:spPr>
       </p:pic>
-      <mc:AlternateContent xmlns:mc="http://schemas.openxmlformats.org/markup-compatibility/2006">
-        <mc:Choice xmlns:a14="http://schemas.microsoft.com/office/drawing/2010/main" Requires="a14">
+      <mc:AlternateContent xmlns:mc="http://schemas.openxmlformats.org/markup-compatibility/2006" xmlns:a14="http://schemas.microsoft.com/office/drawing/2010/main">
+        <mc:Choice Requires="a14">
           <p:sp>
             <p:nvSpPr>
               <p:cNvPr id="13" name="CasellaDiTesto 12">
@@ -51134,7 +51140,7 @@
             </p:txBody>
           </p:sp>
         </mc:Choice>
-        <mc:Fallback>
+        <mc:Fallback xmlns="">
           <p:sp>
             <p:nvSpPr>
               <p:cNvPr id="13" name="CasellaDiTesto 12">
@@ -51242,8 +51248,8 @@
           </a:p>
         </p:txBody>
       </p:sp>
-      <mc:AlternateContent xmlns:mc="http://schemas.openxmlformats.org/markup-compatibility/2006">
-        <mc:Choice xmlns:a14="http://schemas.microsoft.com/office/drawing/2010/main" Requires="a14">
+      <mc:AlternateContent xmlns:mc="http://schemas.openxmlformats.org/markup-compatibility/2006" xmlns:a14="http://schemas.microsoft.com/office/drawing/2010/main">
+        <mc:Choice Requires="a14">
           <p:sp>
             <p:nvSpPr>
               <p:cNvPr id="3" name="Segnaposto contenuto 2">
@@ -51386,7 +51392,7 @@
             </p:txBody>
           </p:sp>
         </mc:Choice>
-        <mc:Fallback>
+        <mc:Fallback xmlns="">
           <p:sp>
             <p:nvSpPr>
               <p:cNvPr id="3" name="Segnaposto contenuto 2">
@@ -55718,6 +55724,15 @@
 </file>
 
 <file path=customXml/item1.xml><?xml version="1.0" encoding="utf-8"?>
+<?mso-contentType ?>
+<FormTemplates xmlns="http://schemas.microsoft.com/sharepoint/v3/contenttype/forms">
+  <Display>DocumentLibraryForm</Display>
+  <Edit>DocumentLibraryForm</Edit>
+  <New>DocumentLibraryForm</New>
+</FormTemplates>
+</file>
+
+<file path=customXml/item2.xml><?xml version="1.0" encoding="utf-8"?>
 <ct:contentTypeSchema xmlns:ct="http://schemas.microsoft.com/office/2006/metadata/contentType" xmlns:ma="http://schemas.microsoft.com/office/2006/metadata/properties/metaAttributes" ct:_="" ma:_="" ma:contentTypeName="Document" ma:contentTypeID="0x01010079F111ED35F8CC479449609E8A0923A6" ma:contentTypeVersion="11" ma:contentTypeDescription="Create a new document." ma:contentTypeScope="" ma:versionID="9677210f24a1be23c92c90fd886aa0aa">
   <xsd:schema xmlns:xsd="http://www.w3.org/2001/XMLSchema" xmlns:xs="http://www.w3.org/2001/XMLSchema" xmlns:p="http://schemas.microsoft.com/office/2006/metadata/properties" xmlns:ns2="71af3243-3dd4-4a8d-8c0d-dd76da1f02a5" xmlns:ns3="16c05727-aa75-4e4a-9b5f-8a80a1165891" targetNamespace="http://schemas.microsoft.com/office/2006/metadata/properties" ma:root="true" ma:fieldsID="60e05723c5c1908df1a1a4ebf11d344e" ns2:_="" ns3:_="">
     <xsd:import namespace="71af3243-3dd4-4a8d-8c0d-dd76da1f02a5"/>
@@ -55928,15 +55943,6 @@
 </ct:contentTypeSchema>
 </file>
 
-<file path=customXml/item2.xml><?xml version="1.0" encoding="utf-8"?>
-<?mso-contentType ?>
-<FormTemplates xmlns="http://schemas.microsoft.com/sharepoint/v3/contenttype/forms">
-  <Display>DocumentLibraryForm</Display>
-  <Edit>DocumentLibraryForm</Edit>
-  <New>DocumentLibraryForm</New>
-</FormTemplates>
-</file>
-
 <file path=customXml/item3.xml><?xml version="1.0" encoding="utf-8"?>
 <p:properties xmlns:p="http://schemas.microsoft.com/office/2006/metadata/properties" xmlns:xsi="http://www.w3.org/2001/XMLSchema-instance" xmlns:pc="http://schemas.microsoft.com/office/infopath/2007/PartnerControls">
   <documentManagement>
@@ -55946,6 +55952,14 @@
 </file>
 
 <file path=customXml/itemProps1.xml><?xml version="1.0" encoding="utf-8"?>
+<ds:datastoreItem xmlns:ds="http://schemas.openxmlformats.org/officeDocument/2006/customXml" ds:itemID="{4F44C90D-2A62-4985-9618-3460247437B1}">
+  <ds:schemaRefs>
+    <ds:schemaRef ds:uri="http://schemas.microsoft.com/sharepoint/v3/contenttype/forms"/>
+  </ds:schemaRefs>
+</ds:datastoreItem>
+</file>
+
+<file path=customXml/itemProps2.xml><?xml version="1.0" encoding="utf-8"?>
 <ds:datastoreItem xmlns:ds="http://schemas.openxmlformats.org/officeDocument/2006/customXml" ds:itemID="{B61EAB5F-88FC-4FAE-AE3C-037A3C365EB8}">
   <ds:schemaRefs>
     <ds:schemaRef ds:uri="http://schemas.microsoft.com/office/2006/metadata/contentType"/>
@@ -55964,14 +55978,6 @@
 </ds:datastoreItem>
 </file>
 
-<file path=customXml/itemProps2.xml><?xml version="1.0" encoding="utf-8"?>
-<ds:datastoreItem xmlns:ds="http://schemas.openxmlformats.org/officeDocument/2006/customXml" ds:itemID="{4F44C90D-2A62-4985-9618-3460247437B1}">
-  <ds:schemaRefs>
-    <ds:schemaRef ds:uri="http://schemas.microsoft.com/sharepoint/v3/contenttype/forms"/>
-  </ds:schemaRefs>
-</ds:datastoreItem>
-</file>
-
 <file path=customXml/itemProps3.xml><?xml version="1.0" encoding="utf-8"?>
 <ds:datastoreItem xmlns:ds="http://schemas.openxmlformats.org/officeDocument/2006/customXml" ds:itemID="{788A2F88-55C5-4ED1-9541-807C65424763}">
   <ds:schemaRefs>
